--- a/Presentation/ML Engineering - Team 2.pptx
+++ b/Presentation/ML Engineering - Team 2.pptx
@@ -17,6 +17,7 @@
     <p:sldId id="262" r:id="rId14"/>
     <p:sldId id="263" r:id="rId15"/>
     <p:sldId id="264" r:id="rId16"/>
+    <p:sldId id="265" r:id="rId17"/>
   </p:sldIdLst>
   <p:sldSz cx="12192000" cy="6858000"/>
   <p:notesSz cx="6858000" cy="9144000"/>
@@ -3131,6 +3132,87 @@
 </p:sld>
 </file>
 
+<file path=ppt/slides/slide10.xml><?xml version="1.0" encoding="utf-8"?>
+<p:sld xmlns:a="http://schemas.openxmlformats.org/drawingml/2006/main" xmlns:r="http://schemas.openxmlformats.org/officeDocument/2006/relationships" xmlns:p="http://schemas.openxmlformats.org/presentationml/2006/main" xmlns:m="http://schemas.openxmlformats.org/officeDocument/2006/math" xmlns:a14="http://schemas.microsoft.com/office/drawing/2010/main" showMasterSp="1" showMasterPhAnim="1">
+  <p:cSld>
+    <p:bg>
+      <p:bgPr>
+        <a:solidFill>
+          <a:srgbClr val="282F39"/>
+        </a:solidFill>
+      </p:bgPr>
+    </p:bg>
+    <p:spTree>
+      <p:nvGrpSpPr>
+        <p:cNvPr id="1" name=""/>
+        <p:cNvGrpSpPr/>
+        <p:nvPr/>
+      </p:nvGrpSpPr>
+      <p:grpSpPr>
+        <a:xfrm>
+          <a:off x="0" y="0"/>
+          <a:ext cx="0" cy="0"/>
+          <a:chOff x="0" y="0"/>
+          <a:chExt cx="0" cy="0"/>
+        </a:xfrm>
+      </p:grpSpPr>
+      <p:sp>
+        <p:nvSpPr>
+          <p:cNvPr id="282" name="TextBox 1"/>
+          <p:cNvSpPr txBox="1"/>
+          <p:nvPr/>
+        </p:nvSpPr>
+        <p:spPr>
+          <a:xfrm>
+            <a:off x="0" y="3231024"/>
+            <a:ext cx="12192001" cy="777241"/>
+          </a:xfrm>
+          <a:prstGeom prst="rect">
+            <a:avLst/>
+          </a:prstGeom>
+          <a:ln w="12700">
+            <a:miter lim="400000"/>
+          </a:ln>
+          <a:extLst>
+            <a:ext uri="{C572A759-6A51-4108-AA02-DFA0A04FC94B}">
+              <ma14:wrappingTextBoxFlag xmlns:ma14="http://schemas.microsoft.com/office/mac/drawingml/2011/main" val="1"/>
+            </a:ext>
+          </a:extLst>
+        </p:spPr>
+        <p:txBody>
+          <a:bodyPr lIns="45719" rIns="45719">
+            <a:spAutoFit/>
+          </a:bodyPr>
+          <a:lstStyle>
+            <a:lvl1pPr algn="ctr">
+              <a:defRPr sz="4500">
+                <a:solidFill>
+                  <a:srgbClr val="FFFFFF"/>
+                </a:solidFill>
+                <a:latin typeface="Noto Sans"/>
+                <a:ea typeface="Noto Sans"/>
+                <a:cs typeface="Noto Sans"/>
+                <a:sym typeface="Noto Sans"/>
+              </a:defRPr>
+            </a:lvl1pPr>
+          </a:lstStyle>
+          <a:p>
+            <a:pPr/>
+            <a:r>
+              <a:t>Thank You</a:t>
+            </a:r>
+          </a:p>
+        </p:txBody>
+      </p:sp>
+    </p:spTree>
+  </p:cSld>
+  <p:clrMapOvr>
+    <a:masterClrMapping/>
+  </p:clrMapOvr>
+  <p:transition xmlns:p14="http://schemas.microsoft.com/office/powerpoint/2010/main" spd="med" advClick="1"/>
+</p:sld>
+</file>
+
 <file path=ppt/slides/slide2.xml><?xml version="1.0" encoding="utf-8"?>
 <p:sld xmlns:a="http://schemas.openxmlformats.org/drawingml/2006/main" xmlns:r="http://schemas.openxmlformats.org/officeDocument/2006/relationships" xmlns:p="http://schemas.openxmlformats.org/presentationml/2006/main" xmlns:m="http://schemas.openxmlformats.org/officeDocument/2006/math" xmlns:a14="http://schemas.microsoft.com/office/drawing/2010/main" showMasterSp="1" showMasterPhAnim="1">
   <p:cSld>
@@ -4145,38 +4227,9 @@
           </a:p>
         </p:txBody>
       </p:sp>
-      <p:pic>
-        <p:nvPicPr>
-          <p:cNvPr id="124" name="Image" descr="Image"/>
-          <p:cNvPicPr>
-            <a:picLocks noChangeAspect="1"/>
-          </p:cNvPicPr>
-          <p:nvPr/>
-        </p:nvPicPr>
-        <p:blipFill>
-          <a:blip r:embed="rId2">
-            <a:extLst/>
-          </a:blip>
-          <a:stretch>
-            <a:fillRect/>
-          </a:stretch>
-        </p:blipFill>
-        <p:spPr>
-          <a:xfrm>
-            <a:off x="635773" y="1535310"/>
-            <a:ext cx="10920454" cy="5062662"/>
-          </a:xfrm>
-          <a:prstGeom prst="rect">
-            <a:avLst/>
-          </a:prstGeom>
-          <a:ln w="12700">
-            <a:miter lim="400000"/>
-          </a:ln>
-        </p:spPr>
-      </p:pic>
       <p:sp>
         <p:nvSpPr>
-          <p:cNvPr id="125" name="TextBox 77"/>
+          <p:cNvPr id="124" name="TextBox 77"/>
           <p:cNvSpPr txBox="1"/>
           <p:nvPr/>
         </p:nvSpPr>
@@ -4222,6 +4275,35 @@
           </a:p>
         </p:txBody>
       </p:sp>
+      <p:pic>
+        <p:nvPicPr>
+          <p:cNvPr id="125" name="Image" descr="Image"/>
+          <p:cNvPicPr>
+            <a:picLocks noChangeAspect="1"/>
+          </p:cNvPicPr>
+          <p:nvPr/>
+        </p:nvPicPr>
+        <p:blipFill>
+          <a:blip r:embed="rId2">
+            <a:extLst/>
+          </a:blip>
+          <a:stretch>
+            <a:fillRect/>
+          </a:stretch>
+        </p:blipFill>
+        <p:spPr>
+          <a:xfrm>
+            <a:off x="1183306" y="1642021"/>
+            <a:ext cx="9522794" cy="4542367"/>
+          </a:xfrm>
+          <a:prstGeom prst="rect">
+            <a:avLst/>
+          </a:prstGeom>
+          <a:ln w="12700">
+            <a:miter lim="400000"/>
+          </a:ln>
+        </p:spPr>
+      </p:pic>
     </p:spTree>
   </p:cSld>
   <p:clrMapOvr>
@@ -4346,7 +4428,7 @@
           <a:p>
             <a:pPr/>
             <a:r>
-              <a:t>Details Page</a:t>
+              <a:t>Details Page 1</a:t>
             </a:r>
           </a:p>
         </p:txBody>
@@ -4369,8 +4451,8 @@
         </p:blipFill>
         <p:spPr>
           <a:xfrm>
-            <a:off x="596905" y="1413913"/>
-            <a:ext cx="10998190" cy="5519298"/>
+            <a:off x="658183" y="1461972"/>
+            <a:ext cx="10670217" cy="5032837"/>
           </a:xfrm>
           <a:prstGeom prst="rect">
             <a:avLst/>
@@ -4421,6 +4503,164 @@
         </p:nvSpPr>
         <p:spPr>
           <a:xfrm>
+            <a:off x="504891" y="244260"/>
+            <a:ext cx="12070136" cy="853441"/>
+          </a:xfrm>
+          <a:prstGeom prst="rect">
+            <a:avLst/>
+          </a:prstGeom>
+          <a:ln w="12700">
+            <a:miter lim="400000"/>
+          </a:ln>
+          <a:extLst>
+            <a:ext uri="{C572A759-6A51-4108-AA02-DFA0A04FC94B}">
+              <ma14:wrappingTextBoxFlag xmlns:ma14="http://schemas.microsoft.com/office/mac/drawingml/2011/main" val="1"/>
+            </a:ext>
+          </a:extLst>
+        </p:spPr>
+        <p:txBody>
+          <a:bodyPr lIns="45719" rIns="45719">
+            <a:spAutoFit/>
+          </a:bodyPr>
+          <a:lstStyle>
+            <a:lvl1pPr>
+              <a:defRPr sz="5000">
+                <a:solidFill>
+                  <a:srgbClr val="FFFFFF"/>
+                </a:solidFill>
+                <a:latin typeface="Noto Sans"/>
+                <a:ea typeface="Noto Sans"/>
+                <a:cs typeface="Noto Sans"/>
+                <a:sym typeface="Noto Sans"/>
+              </a:defRPr>
+            </a:lvl1pPr>
+          </a:lstStyle>
+          <a:p>
+            <a:pPr/>
+            <a:r>
+              <a:t>Wireframe</a:t>
+            </a:r>
+          </a:p>
+        </p:txBody>
+      </p:sp>
+      <p:sp>
+        <p:nvSpPr>
+          <p:cNvPr id="132" name="TextBox 77"/>
+          <p:cNvSpPr txBox="1"/>
+          <p:nvPr/>
+        </p:nvSpPr>
+        <p:spPr>
+          <a:xfrm>
+            <a:off x="618220" y="1000373"/>
+            <a:ext cx="1826849" cy="396241"/>
+          </a:xfrm>
+          <a:prstGeom prst="rect">
+            <a:avLst/>
+          </a:prstGeom>
+          <a:ln w="12700">
+            <a:miter lim="400000"/>
+          </a:ln>
+          <a:extLst>
+            <a:ext uri="{C572A759-6A51-4108-AA02-DFA0A04FC94B}">
+              <ma14:wrappingTextBoxFlag xmlns:ma14="http://schemas.microsoft.com/office/mac/drawingml/2011/main" val="1"/>
+            </a:ext>
+          </a:extLst>
+        </p:spPr>
+        <p:txBody>
+          <a:bodyPr lIns="45719" rIns="45719">
+            <a:spAutoFit/>
+          </a:bodyPr>
+          <a:lstStyle>
+            <a:lvl1pPr algn="ctr">
+              <a:defRPr sz="2000">
+                <a:solidFill>
+                  <a:schemeClr val="accent2"/>
+                </a:solidFill>
+                <a:latin typeface="Noto Sans"/>
+                <a:ea typeface="Noto Sans"/>
+                <a:cs typeface="Noto Sans"/>
+                <a:sym typeface="Noto Sans"/>
+              </a:defRPr>
+            </a:lvl1pPr>
+          </a:lstStyle>
+          <a:p>
+            <a:pPr/>
+            <a:r>
+              <a:t>Details Page 2</a:t>
+            </a:r>
+          </a:p>
+        </p:txBody>
+      </p:sp>
+      <p:pic>
+        <p:nvPicPr>
+          <p:cNvPr id="133" name="Image" descr="Image"/>
+          <p:cNvPicPr>
+            <a:picLocks noChangeAspect="1"/>
+          </p:cNvPicPr>
+          <p:nvPr/>
+        </p:nvPicPr>
+        <p:blipFill>
+          <a:blip r:embed="rId2">
+            <a:extLst/>
+          </a:blip>
+          <a:stretch>
+            <a:fillRect/>
+          </a:stretch>
+        </p:blipFill>
+        <p:spPr>
+          <a:xfrm>
+            <a:off x="1092031" y="1455336"/>
+            <a:ext cx="10007938" cy="5114220"/>
+          </a:xfrm>
+          <a:prstGeom prst="rect">
+            <a:avLst/>
+          </a:prstGeom>
+          <a:ln w="12700">
+            <a:miter lim="400000"/>
+          </a:ln>
+        </p:spPr>
+      </p:pic>
+    </p:spTree>
+  </p:cSld>
+  <p:clrMapOvr>
+    <a:masterClrMapping/>
+  </p:clrMapOvr>
+  <p:transition xmlns:p14="http://schemas.microsoft.com/office/powerpoint/2010/main" spd="med" advClick="1"/>
+</p:sld>
+</file>
+
+<file path=ppt/slides/slide6.xml><?xml version="1.0" encoding="utf-8"?>
+<p:sld xmlns:a="http://schemas.openxmlformats.org/drawingml/2006/main" xmlns:r="http://schemas.openxmlformats.org/officeDocument/2006/relationships" xmlns:p="http://schemas.openxmlformats.org/presentationml/2006/main" xmlns:m="http://schemas.openxmlformats.org/officeDocument/2006/math" xmlns:a14="http://schemas.microsoft.com/office/drawing/2010/main" showMasterSp="1" showMasterPhAnim="1">
+  <p:cSld>
+    <p:bg>
+      <p:bgPr>
+        <a:solidFill>
+          <a:srgbClr val="282F39"/>
+        </a:solidFill>
+      </p:bgPr>
+    </p:bg>
+    <p:spTree>
+      <p:nvGrpSpPr>
+        <p:cNvPr id="1" name=""/>
+        <p:cNvGrpSpPr/>
+        <p:nvPr/>
+      </p:nvGrpSpPr>
+      <p:grpSpPr>
+        <a:xfrm>
+          <a:off x="0" y="0"/>
+          <a:ext cx="0" cy="0"/>
+          <a:chOff x="0" y="0"/>
+          <a:chExt cx="0" cy="0"/>
+        </a:xfrm>
+      </p:grpSpPr>
+      <p:sp>
+        <p:nvSpPr>
+          <p:cNvPr id="135" name="TextBox 21"/>
+          <p:cNvSpPr txBox="1"/>
+          <p:nvPr/>
+        </p:nvSpPr>
+        <p:spPr>
+          <a:xfrm>
             <a:off x="111191" y="295060"/>
             <a:ext cx="12070136" cy="853441"/>
           </a:xfrm>
@@ -4463,7 +4703,7 @@
       </p:sp>
       <p:grpSp>
         <p:nvGrpSpPr>
-          <p:cNvPr id="140" name="Group 60"/>
+          <p:cNvPr id="144" name="Group 60"/>
           <p:cNvGrpSpPr/>
           <p:nvPr/>
         </p:nvGrpSpPr>
@@ -4477,7 +4717,7 @@
         </p:grpSpPr>
         <p:sp>
           <p:nvSpPr>
-            <p:cNvPr id="132" name="Freeform 10"/>
+            <p:cNvPr id="136" name="Freeform 10"/>
             <p:cNvSpPr/>
             <p:nvPr/>
           </p:nvSpPr>
@@ -4914,7 +5154,7 @@
         </p:sp>
         <p:sp>
           <p:nvSpPr>
-            <p:cNvPr id="133" name="Freeform 11"/>
+            <p:cNvPr id="137" name="Freeform 11"/>
             <p:cNvSpPr/>
             <p:nvPr/>
           </p:nvSpPr>
@@ -5297,7 +5537,7 @@
         </p:sp>
         <p:sp>
           <p:nvSpPr>
-            <p:cNvPr id="134" name="Freeform 12"/>
+            <p:cNvPr id="138" name="Freeform 12"/>
             <p:cNvSpPr/>
             <p:nvPr/>
           </p:nvSpPr>
@@ -5715,7 +5955,7 @@
         </p:sp>
         <p:sp>
           <p:nvSpPr>
-            <p:cNvPr id="135" name="Freeform 13"/>
+            <p:cNvPr id="139" name="Freeform 13"/>
             <p:cNvSpPr/>
             <p:nvPr/>
           </p:nvSpPr>
@@ -6018,7 +6258,7 @@
         </p:sp>
         <p:sp>
           <p:nvSpPr>
-            <p:cNvPr id="136" name="Freeform 14"/>
+            <p:cNvPr id="140" name="Freeform 14"/>
             <p:cNvSpPr/>
             <p:nvPr/>
           </p:nvSpPr>
@@ -6156,7 +6396,7 @@
         </p:sp>
         <p:sp>
           <p:nvSpPr>
-            <p:cNvPr id="137" name="Freeform 15"/>
+            <p:cNvPr id="141" name="Freeform 15"/>
             <p:cNvSpPr/>
             <p:nvPr/>
           </p:nvSpPr>
@@ -6384,7 +6624,7 @@
         </p:sp>
         <p:sp>
           <p:nvSpPr>
-            <p:cNvPr id="138" name="Freeform 16"/>
+            <p:cNvPr id="142" name="Freeform 16"/>
             <p:cNvSpPr/>
             <p:nvPr/>
           </p:nvSpPr>
@@ -6487,7 +6727,7 @@
         </p:sp>
         <p:sp>
           <p:nvSpPr>
-            <p:cNvPr id="139" name="Freeform 17"/>
+            <p:cNvPr id="143" name="Freeform 17"/>
             <p:cNvSpPr/>
             <p:nvPr/>
           </p:nvSpPr>
@@ -6591,7 +6831,7 @@
       </p:grpSp>
       <p:grpSp>
         <p:nvGrpSpPr>
-          <p:cNvPr id="144" name="Group 61"/>
+          <p:cNvPr id="148" name="Group 61"/>
           <p:cNvGrpSpPr/>
           <p:nvPr/>
         </p:nvGrpSpPr>
@@ -6605,7 +6845,7 @@
         </p:grpSpPr>
         <p:sp>
           <p:nvSpPr>
-            <p:cNvPr id="141" name="Freeform 6"/>
+            <p:cNvPr id="145" name="Freeform 6"/>
             <p:cNvSpPr/>
             <p:nvPr/>
           </p:nvSpPr>
@@ -6818,7 +7058,7 @@
         </p:sp>
         <p:sp>
           <p:nvSpPr>
-            <p:cNvPr id="142" name="Freeform 7"/>
+            <p:cNvPr id="146" name="Freeform 7"/>
             <p:cNvSpPr/>
             <p:nvPr/>
           </p:nvSpPr>
@@ -6986,7 +7226,7 @@
         </p:sp>
         <p:sp>
           <p:nvSpPr>
-            <p:cNvPr id="143" name="Freeform 8"/>
+            <p:cNvPr id="147" name="Freeform 8"/>
             <p:cNvSpPr/>
             <p:nvPr/>
           </p:nvSpPr>
@@ -7175,7 +7415,7 @@
       </p:grpSp>
       <p:grpSp>
         <p:nvGrpSpPr>
-          <p:cNvPr id="149" name="Group 69"/>
+          <p:cNvPr id="153" name="Group 69"/>
           <p:cNvGrpSpPr/>
           <p:nvPr/>
         </p:nvGrpSpPr>
@@ -7189,7 +7429,7 @@
         </p:grpSpPr>
         <p:sp>
           <p:nvSpPr>
-            <p:cNvPr id="145" name="Freeform 18"/>
+            <p:cNvPr id="149" name="Freeform 18"/>
             <p:cNvSpPr/>
             <p:nvPr/>
           </p:nvSpPr>
@@ -7741,7 +7981,7 @@
         </p:sp>
         <p:sp>
           <p:nvSpPr>
-            <p:cNvPr id="146" name="Freeform 19"/>
+            <p:cNvPr id="150" name="Freeform 19"/>
             <p:cNvSpPr/>
             <p:nvPr/>
           </p:nvSpPr>
@@ -7868,7 +8108,7 @@
         </p:sp>
         <p:sp>
           <p:nvSpPr>
-            <p:cNvPr id="147" name="Freeform 20"/>
+            <p:cNvPr id="151" name="Freeform 20"/>
             <p:cNvSpPr/>
             <p:nvPr/>
           </p:nvSpPr>
@@ -8410,7 +8650,7 @@
         </p:sp>
         <p:sp>
           <p:nvSpPr>
-            <p:cNvPr id="148" name="Freeform 21"/>
+            <p:cNvPr id="152" name="Freeform 21"/>
             <p:cNvSpPr/>
             <p:nvPr/>
           </p:nvSpPr>
@@ -8513,7 +8753,7 @@
       </p:grpSp>
       <p:grpSp>
         <p:nvGrpSpPr>
-          <p:cNvPr id="154" name="Group 76"/>
+          <p:cNvPr id="158" name="Group 76"/>
           <p:cNvGrpSpPr/>
           <p:nvPr/>
         </p:nvGrpSpPr>
@@ -8527,7 +8767,7 @@
         </p:grpSpPr>
         <p:grpSp>
           <p:nvGrpSpPr>
-            <p:cNvPr id="152" name="Group 75"/>
+            <p:cNvPr id="156" name="Group 75"/>
             <p:cNvGrpSpPr/>
             <p:nvPr/>
           </p:nvGrpSpPr>
@@ -8541,7 +8781,7 @@
           </p:grpSpPr>
           <p:sp>
             <p:nvSpPr>
-              <p:cNvPr id="150" name="Rectangle: Rounded Corners 67"/>
+              <p:cNvPr id="154" name="Rectangle: Rounded Corners 67"/>
               <p:cNvSpPr/>
               <p:nvPr/>
             </p:nvSpPr>
@@ -8582,7 +8822,7 @@
           </p:sp>
           <p:sp>
             <p:nvSpPr>
-              <p:cNvPr id="151" name="Rectangle: Rounded Corners 68"/>
+              <p:cNvPr id="155" name="Rectangle: Rounded Corners 68"/>
               <p:cNvSpPr/>
               <p:nvPr/>
             </p:nvSpPr>
@@ -8624,7 +8864,7 @@
         </p:grpSp>
         <p:sp>
           <p:nvSpPr>
-            <p:cNvPr id="153" name="Oval 74"/>
+            <p:cNvPr id="157" name="Oval 74"/>
             <p:cNvSpPr/>
             <p:nvPr/>
           </p:nvSpPr>
@@ -8665,7 +8905,7 @@
       </p:grpSp>
       <p:grpSp>
         <p:nvGrpSpPr>
-          <p:cNvPr id="157" name="Group 10"/>
+          <p:cNvPr id="161" name="Group 10"/>
           <p:cNvGrpSpPr/>
           <p:nvPr/>
         </p:nvGrpSpPr>
@@ -8679,7 +8919,7 @@
         </p:grpSpPr>
         <p:sp>
           <p:nvSpPr>
-            <p:cNvPr id="155" name="Oval 27"/>
+            <p:cNvPr id="159" name="Oval 27"/>
             <p:cNvSpPr/>
             <p:nvPr/>
           </p:nvSpPr>
@@ -8719,7 +8959,7 @@
         </p:sp>
         <p:sp>
           <p:nvSpPr>
-            <p:cNvPr id="156" name="TextBox 28"/>
+            <p:cNvPr id="160" name="TextBox 28"/>
             <p:cNvSpPr txBox="1"/>
             <p:nvPr/>
           </p:nvSpPr>
@@ -8771,7 +9011,7 @@
       </p:grpSp>
       <p:grpSp>
         <p:nvGrpSpPr>
-          <p:cNvPr id="162" name="Group 9"/>
+          <p:cNvPr id="166" name="Group 9"/>
           <p:cNvGrpSpPr/>
           <p:nvPr/>
         </p:nvGrpSpPr>
@@ -8785,7 +9025,7 @@
         </p:grpSpPr>
         <p:sp>
           <p:nvSpPr>
-            <p:cNvPr id="158" name="Freeform 5"/>
+            <p:cNvPr id="162" name="Freeform 5"/>
             <p:cNvSpPr/>
             <p:nvPr/>
           </p:nvSpPr>
@@ -8873,7 +9113,7 @@
         </p:sp>
         <p:sp>
           <p:nvSpPr>
-            <p:cNvPr id="159" name="Freeform 6"/>
+            <p:cNvPr id="163" name="Freeform 6"/>
             <p:cNvSpPr/>
             <p:nvPr/>
           </p:nvSpPr>
@@ -9031,7 +9271,7 @@
         </p:sp>
         <p:sp>
           <p:nvSpPr>
-            <p:cNvPr id="160" name="Freeform 7"/>
+            <p:cNvPr id="164" name="Freeform 7"/>
             <p:cNvSpPr/>
             <p:nvPr/>
           </p:nvSpPr>
@@ -9124,7 +9364,7 @@
         </p:sp>
         <p:sp>
           <p:nvSpPr>
-            <p:cNvPr id="161" name="Freeform 8"/>
+            <p:cNvPr id="165" name="Freeform 8"/>
             <p:cNvSpPr/>
             <p:nvPr/>
           </p:nvSpPr>
@@ -9213,7 +9453,7 @@
       </p:grpSp>
       <p:grpSp>
         <p:nvGrpSpPr>
-          <p:cNvPr id="177" name="Group 11"/>
+          <p:cNvPr id="181" name="Group 11"/>
           <p:cNvGrpSpPr/>
           <p:nvPr/>
         </p:nvGrpSpPr>
@@ -9227,7 +9467,7 @@
         </p:grpSpPr>
         <p:sp>
           <p:nvSpPr>
-            <p:cNvPr id="163" name="Freeform 5"/>
+            <p:cNvPr id="167" name="Freeform 5"/>
             <p:cNvSpPr/>
             <p:nvPr/>
           </p:nvSpPr>
@@ -9479,7 +9719,7 @@
         </p:sp>
         <p:sp>
           <p:nvSpPr>
-            <p:cNvPr id="164" name="Freeform 6"/>
+            <p:cNvPr id="168" name="Freeform 6"/>
             <p:cNvSpPr/>
             <p:nvPr/>
           </p:nvSpPr>
@@ -9580,7 +9820,7 @@
         </p:sp>
         <p:sp>
           <p:nvSpPr>
-            <p:cNvPr id="165" name="Freeform 7"/>
+            <p:cNvPr id="169" name="Freeform 7"/>
             <p:cNvSpPr/>
             <p:nvPr/>
           </p:nvSpPr>
@@ -9691,7 +9931,7 @@
         </p:sp>
         <p:sp>
           <p:nvSpPr>
-            <p:cNvPr id="166" name="Freeform 8"/>
+            <p:cNvPr id="170" name="Freeform 8"/>
             <p:cNvSpPr/>
             <p:nvPr/>
           </p:nvSpPr>
@@ -9792,7 +10032,7 @@
         </p:sp>
         <p:sp>
           <p:nvSpPr>
-            <p:cNvPr id="167" name="Freeform 9"/>
+            <p:cNvPr id="171" name="Freeform 9"/>
             <p:cNvSpPr/>
             <p:nvPr/>
           </p:nvSpPr>
@@ -9903,7 +10143,7 @@
         </p:sp>
         <p:sp>
           <p:nvSpPr>
-            <p:cNvPr id="168" name="Freeform 10"/>
+            <p:cNvPr id="172" name="Freeform 10"/>
             <p:cNvSpPr/>
             <p:nvPr/>
           </p:nvSpPr>
@@ -9999,7 +10239,7 @@
         </p:sp>
         <p:sp>
           <p:nvSpPr>
-            <p:cNvPr id="169" name="Freeform 11"/>
+            <p:cNvPr id="173" name="Freeform 11"/>
             <p:cNvSpPr/>
             <p:nvPr/>
           </p:nvSpPr>
@@ -10098,7 +10338,7 @@
         </p:sp>
         <p:sp>
           <p:nvSpPr>
-            <p:cNvPr id="170" name="Freeform 12"/>
+            <p:cNvPr id="174" name="Freeform 12"/>
             <p:cNvSpPr/>
             <p:nvPr/>
           </p:nvSpPr>
@@ -10199,7 +10439,7 @@
         </p:sp>
         <p:sp>
           <p:nvSpPr>
-            <p:cNvPr id="171" name="Freeform 13"/>
+            <p:cNvPr id="175" name="Freeform 13"/>
             <p:cNvSpPr/>
             <p:nvPr/>
           </p:nvSpPr>
@@ -10300,7 +10540,7 @@
         </p:sp>
         <p:sp>
           <p:nvSpPr>
-            <p:cNvPr id="172" name="Freeform 14"/>
+            <p:cNvPr id="176" name="Freeform 14"/>
             <p:cNvSpPr/>
             <p:nvPr/>
           </p:nvSpPr>
@@ -10396,7 +10636,7 @@
         </p:sp>
         <p:sp>
           <p:nvSpPr>
-            <p:cNvPr id="173" name="Freeform 15"/>
+            <p:cNvPr id="177" name="Freeform 15"/>
             <p:cNvSpPr/>
             <p:nvPr/>
           </p:nvSpPr>
@@ -10492,7 +10732,7 @@
         </p:sp>
         <p:sp>
           <p:nvSpPr>
-            <p:cNvPr id="174" name="Freeform 16"/>
+            <p:cNvPr id="178" name="Freeform 16"/>
             <p:cNvSpPr/>
             <p:nvPr/>
           </p:nvSpPr>
@@ -10593,7 +10833,7 @@
         </p:sp>
         <p:sp>
           <p:nvSpPr>
-            <p:cNvPr id="175" name="Freeform 17"/>
+            <p:cNvPr id="179" name="Freeform 17"/>
             <p:cNvSpPr/>
             <p:nvPr/>
           </p:nvSpPr>
@@ -10694,7 +10934,7 @@
         </p:sp>
         <p:sp>
           <p:nvSpPr>
-            <p:cNvPr id="176" name="Freeform 18"/>
+            <p:cNvPr id="180" name="Freeform 18"/>
             <p:cNvSpPr/>
             <p:nvPr/>
           </p:nvSpPr>
@@ -10796,7 +11036,7 @@
       </p:grpSp>
       <p:sp>
         <p:nvSpPr>
-          <p:cNvPr id="178" name="TextBox 77"/>
+          <p:cNvPr id="182" name="TextBox 77"/>
           <p:cNvSpPr txBox="1"/>
           <p:nvPr/>
         </p:nvSpPr>
@@ -10844,7 +11084,7 @@
       </p:sp>
       <p:sp>
         <p:nvSpPr>
-          <p:cNvPr id="179" name="TextBox 78"/>
+          <p:cNvPr id="183" name="TextBox 78"/>
           <p:cNvSpPr txBox="1"/>
           <p:nvPr/>
         </p:nvSpPr>
@@ -10892,7 +11132,7 @@
       </p:sp>
       <p:sp>
         <p:nvSpPr>
-          <p:cNvPr id="180" name="TextBox 79"/>
+          <p:cNvPr id="184" name="TextBox 79"/>
           <p:cNvSpPr txBox="1"/>
           <p:nvPr/>
         </p:nvSpPr>
@@ -10940,7 +11180,7 @@
       </p:sp>
       <p:sp>
         <p:nvSpPr>
-          <p:cNvPr id="181" name="TextBox 80"/>
+          <p:cNvPr id="185" name="TextBox 80"/>
           <p:cNvSpPr txBox="1"/>
           <p:nvPr/>
         </p:nvSpPr>
@@ -10988,7 +11228,7 @@
       </p:sp>
       <p:sp>
         <p:nvSpPr>
-          <p:cNvPr id="182" name="TextBox 81"/>
+          <p:cNvPr id="186" name="TextBox 81"/>
           <p:cNvSpPr txBox="1"/>
           <p:nvPr/>
         </p:nvSpPr>
@@ -11036,7 +11276,7 @@
       </p:sp>
       <p:sp>
         <p:nvSpPr>
-          <p:cNvPr id="183" name="TextBox 82"/>
+          <p:cNvPr id="187" name="TextBox 82"/>
           <p:cNvSpPr txBox="1"/>
           <p:nvPr/>
         </p:nvSpPr>
@@ -11084,7 +11324,7 @@
       </p:sp>
       <p:sp>
         <p:nvSpPr>
-          <p:cNvPr id="184" name="Oval 83"/>
+          <p:cNvPr id="188" name="Oval 83"/>
           <p:cNvSpPr/>
           <p:nvPr/>
         </p:nvSpPr>
@@ -11128,7 +11368,7 @@
 </p:sld>
 </file>
 
-<file path=ppt/slides/slide6.xml><?xml version="1.0" encoding="utf-8"?>
+<file path=ppt/slides/slide7.xml><?xml version="1.0" encoding="utf-8"?>
 <p:sld xmlns:a="http://schemas.openxmlformats.org/drawingml/2006/main" xmlns:r="http://schemas.openxmlformats.org/officeDocument/2006/relationships" xmlns:p="http://schemas.openxmlformats.org/presentationml/2006/main" xmlns:m="http://schemas.openxmlformats.org/officeDocument/2006/math" xmlns:a14="http://schemas.microsoft.com/office/drawing/2010/main" showMasterSp="1" showMasterPhAnim="1">
   <p:cSld>
     <p:bg>
@@ -11154,7 +11394,7 @@
       </p:grpSpPr>
       <p:sp>
         <p:nvSpPr>
-          <p:cNvPr id="186" name="TextBox 21"/>
+          <p:cNvPr id="190" name="TextBox 21"/>
           <p:cNvSpPr txBox="1"/>
           <p:nvPr/>
         </p:nvSpPr>
@@ -11202,7 +11442,7 @@
       </p:sp>
       <p:pic>
         <p:nvPicPr>
-          <p:cNvPr id="187" name="customer-service-agent-with-settings-vector-17622927.jpg" descr="customer-service-agent-with-settings-vector-17622927.jpg"/>
+          <p:cNvPr id="191" name="customer-service-agent-with-settings-vector-17622927.jpg" descr="customer-service-agent-with-settings-vector-17622927.jpg"/>
           <p:cNvPicPr>
             <a:picLocks noChangeAspect="1"/>
           </p:cNvPicPr>
@@ -11231,7 +11471,7 @@
       </p:pic>
       <p:pic>
         <p:nvPicPr>
-          <p:cNvPr id="188" name="customer-service-agent-with-settings-vector-17622927.jpg" descr="customer-service-agent-with-settings-vector-17622927.jpg"/>
+          <p:cNvPr id="192" name="customer-service-agent-with-settings-vector-17622927.jpg" descr="customer-service-agent-with-settings-vector-17622927.jpg"/>
           <p:cNvPicPr>
             <a:picLocks noChangeAspect="1"/>
           </p:cNvPicPr>
@@ -11260,7 +11500,7 @@
       </p:pic>
       <p:grpSp>
         <p:nvGrpSpPr>
-          <p:cNvPr id="191" name="Right Arrow Callout 56"/>
+          <p:cNvPr id="195" name="Right Arrow Callout 56"/>
           <p:cNvGrpSpPr/>
           <p:nvPr/>
         </p:nvGrpSpPr>
@@ -11274,7 +11514,7 @@
         </p:grpSpPr>
         <p:sp>
           <p:nvSpPr>
-            <p:cNvPr id="189" name="Shape"/>
+            <p:cNvPr id="193" name="Shape"/>
             <p:cNvSpPr/>
             <p:nvPr/>
           </p:nvSpPr>
@@ -11365,7 +11605,7 @@
         </p:sp>
         <p:sp>
           <p:nvSpPr>
-            <p:cNvPr id="190" name="GET | POST Request"/>
+            <p:cNvPr id="194" name="GET | POST Request"/>
             <p:cNvSpPr txBox="1"/>
             <p:nvPr/>
           </p:nvSpPr>
@@ -11413,7 +11653,7 @@
       </p:grpSp>
       <p:grpSp>
         <p:nvGrpSpPr>
-          <p:cNvPr id="194" name="Left Arrow Callout 57"/>
+          <p:cNvPr id="198" name="Left Arrow Callout 57"/>
           <p:cNvGrpSpPr/>
           <p:nvPr/>
         </p:nvGrpSpPr>
@@ -11427,7 +11667,7 @@
         </p:grpSpPr>
         <p:sp>
           <p:nvSpPr>
-            <p:cNvPr id="192" name="Shape"/>
+            <p:cNvPr id="196" name="Shape"/>
             <p:cNvSpPr/>
             <p:nvPr/>
           </p:nvSpPr>
@@ -11518,7 +11758,7 @@
         </p:sp>
         <p:sp>
           <p:nvSpPr>
-            <p:cNvPr id="193" name="Model Response"/>
+            <p:cNvPr id="197" name="Model Response"/>
             <p:cNvSpPr txBox="1"/>
             <p:nvPr/>
           </p:nvSpPr>
@@ -11566,7 +11806,7 @@
       </p:grpSp>
       <p:grpSp>
         <p:nvGrpSpPr>
-          <p:cNvPr id="197" name="Shape 3239"/>
+          <p:cNvPr id="201" name="Shape 3239"/>
           <p:cNvGrpSpPr/>
           <p:nvPr/>
         </p:nvGrpSpPr>
@@ -11580,7 +11820,7 @@
         </p:grpSpPr>
         <p:sp>
           <p:nvSpPr>
-            <p:cNvPr id="195" name="Shape 3240"/>
+            <p:cNvPr id="199" name="Shape 3240"/>
             <p:cNvSpPr/>
             <p:nvPr/>
           </p:nvSpPr>
@@ -11625,7 +11865,7 @@
         </p:sp>
         <p:pic>
           <p:nvPicPr>
-            <p:cNvPr id="196" name="Shape 3241" descr="Shape 3241"/>
+            <p:cNvPr id="200" name="Shape 3241" descr="Shape 3241"/>
             <p:cNvPicPr>
               <a:picLocks noChangeAspect="1"/>
             </p:cNvPicPr>
@@ -11657,7 +11897,7 @@
       </p:grpSp>
       <p:grpSp>
         <p:nvGrpSpPr>
-          <p:cNvPr id="200" name="Parallelogram 2"/>
+          <p:cNvPr id="204" name="Parallelogram 2"/>
           <p:cNvGrpSpPr/>
           <p:nvPr/>
         </p:nvGrpSpPr>
@@ -11671,7 +11911,7 @@
         </p:grpSpPr>
         <p:sp>
           <p:nvSpPr>
-            <p:cNvPr id="198" name="Shape"/>
+            <p:cNvPr id="202" name="Shape"/>
             <p:cNvSpPr/>
             <p:nvPr/>
           </p:nvSpPr>
@@ -11751,7 +11991,7 @@
         </p:sp>
         <p:sp>
           <p:nvSpPr>
-            <p:cNvPr id="199" name="Model Building Training Datasets"/>
+            <p:cNvPr id="203" name="Model Building Training Datasets"/>
             <p:cNvSpPr txBox="1"/>
             <p:nvPr/>
           </p:nvSpPr>
@@ -11803,7 +12043,7 @@
       </p:grpSp>
       <p:pic>
         <p:nvPicPr>
-          <p:cNvPr id="201" name="Picture 3" descr="Picture 3"/>
+          <p:cNvPr id="205" name="Picture 3" descr="Picture 3"/>
           <p:cNvPicPr>
             <a:picLocks noChangeAspect="1"/>
           </p:cNvPicPr>
@@ -11832,7 +12072,7 @@
       </p:pic>
       <p:pic>
         <p:nvPicPr>
-          <p:cNvPr id="202" name="Picture 4" descr="Picture 4"/>
+          <p:cNvPr id="206" name="Picture 4" descr="Picture 4"/>
           <p:cNvPicPr>
             <a:picLocks noChangeAspect="1"/>
           </p:cNvPicPr>
@@ -11861,7 +12101,7 @@
       </p:pic>
       <p:grpSp>
         <p:nvGrpSpPr>
-          <p:cNvPr id="207" name="Shape 3041"/>
+          <p:cNvPr id="211" name="Shape 3041"/>
           <p:cNvGrpSpPr/>
           <p:nvPr/>
         </p:nvGrpSpPr>
@@ -11875,7 +12115,7 @@
         </p:grpSpPr>
         <p:grpSp>
           <p:nvGrpSpPr>
-            <p:cNvPr id="205" name="Shape 3042"/>
+            <p:cNvPr id="209" name="Shape 3042"/>
             <p:cNvGrpSpPr/>
             <p:nvPr/>
           </p:nvGrpSpPr>
@@ -11889,7 +12129,7 @@
           </p:grpSpPr>
           <p:sp>
             <p:nvSpPr>
-              <p:cNvPr id="203" name="Rounded Rectangle"/>
+              <p:cNvPr id="207" name="Rounded Rectangle"/>
               <p:cNvSpPr/>
               <p:nvPr/>
             </p:nvSpPr>
@@ -11943,7 +12183,7 @@
           </p:sp>
           <p:sp>
             <p:nvSpPr>
-              <p:cNvPr id="204" name="Analytics Backend BigQuery"/>
+              <p:cNvPr id="208" name="Analytics Backend BigQuery"/>
               <p:cNvSpPr txBox="1"/>
               <p:nvPr/>
             </p:nvSpPr>
@@ -12005,7 +12245,7 @@
         </p:grpSp>
         <p:pic>
           <p:nvPicPr>
-            <p:cNvPr id="206" name="Shape 3043" descr="Shape 3043"/>
+            <p:cNvPr id="210" name="Shape 3043" descr="Shape 3043"/>
             <p:cNvPicPr>
               <a:picLocks noChangeAspect="1"/>
             </p:cNvPicPr>
@@ -12038,7 +12278,7 @@
       </p:grpSp>
       <p:sp>
         <p:nvSpPr>
-          <p:cNvPr id="208" name="Rectangle 6"/>
+          <p:cNvPr id="212" name="Rectangle 6"/>
           <p:cNvSpPr/>
           <p:nvPr/>
         </p:nvSpPr>
@@ -12084,7 +12324,7 @@
       </p:sp>
       <p:sp>
         <p:nvSpPr>
-          <p:cNvPr id="209" name="Straight Arrow Connector 12"/>
+          <p:cNvPr id="213" name="Straight Arrow Connector 12"/>
           <p:cNvSpPr/>
           <p:nvPr/>
         </p:nvSpPr>
@@ -12120,7 +12360,7 @@
       </p:sp>
       <p:sp>
         <p:nvSpPr>
-          <p:cNvPr id="210" name="Elbow Connector 61"/>
+          <p:cNvPr id="214" name="Elbow Connector 61"/>
           <p:cNvSpPr/>
           <p:nvPr/>
         </p:nvSpPr>
@@ -12189,7 +12429,7 @@
       </p:sp>
       <p:sp>
         <p:nvSpPr>
-          <p:cNvPr id="223" name="Elbow Connector 76"/>
+          <p:cNvPr id="227" name="Elbow Connector 76"/>
           <p:cNvSpPr/>
           <p:nvPr/>
         </p:nvSpPr>
@@ -12248,7 +12488,7 @@
       </p:sp>
       <p:sp>
         <p:nvSpPr>
-          <p:cNvPr id="224" name="Straight Arrow Connector 78"/>
+          <p:cNvPr id="228" name="Straight Arrow Connector 78"/>
           <p:cNvSpPr/>
           <p:nvPr/>
         </p:nvSpPr>
@@ -12304,7 +12544,7 @@
       </p:sp>
       <p:sp>
         <p:nvSpPr>
-          <p:cNvPr id="213" name="Elbow Connector 80"/>
+          <p:cNvPr id="217" name="Elbow Connector 80"/>
           <p:cNvSpPr/>
           <p:nvPr/>
         </p:nvSpPr>
@@ -12376,7 +12616,7 @@
       </p:sp>
       <p:sp>
         <p:nvSpPr>
-          <p:cNvPr id="214" name="Rectangle 115"/>
+          <p:cNvPr id="218" name="Rectangle 115"/>
           <p:cNvSpPr/>
           <p:nvPr/>
         </p:nvSpPr>
@@ -12422,7 +12662,7 @@
       </p:sp>
       <p:sp>
         <p:nvSpPr>
-          <p:cNvPr id="215" name="TextBox 77"/>
+          <p:cNvPr id="219" name="TextBox 77"/>
           <p:cNvSpPr txBox="1"/>
           <p:nvPr/>
         </p:nvSpPr>
@@ -12470,7 +12710,7 @@
       </p:sp>
       <p:sp>
         <p:nvSpPr>
-          <p:cNvPr id="216" name="TextBox 77"/>
+          <p:cNvPr id="220" name="TextBox 77"/>
           <p:cNvSpPr txBox="1"/>
           <p:nvPr/>
         </p:nvSpPr>
@@ -12518,7 +12758,7 @@
       </p:sp>
       <p:sp>
         <p:nvSpPr>
-          <p:cNvPr id="217" name="TextBox 77"/>
+          <p:cNvPr id="221" name="TextBox 77"/>
           <p:cNvSpPr txBox="1"/>
           <p:nvPr/>
         </p:nvSpPr>
@@ -12566,7 +12806,7 @@
       </p:sp>
       <p:sp>
         <p:nvSpPr>
-          <p:cNvPr id="218" name="TextBox 18"/>
+          <p:cNvPr id="222" name="TextBox 18"/>
           <p:cNvSpPr txBox="1"/>
           <p:nvPr/>
         </p:nvSpPr>
@@ -12614,7 +12854,7 @@
       </p:sp>
       <p:sp>
         <p:nvSpPr>
-          <p:cNvPr id="219" name="Left Brace 167"/>
+          <p:cNvPr id="223" name="Left Brace 167"/>
           <p:cNvSpPr/>
           <p:nvPr/>
         </p:nvSpPr>
@@ -12702,7 +12942,7 @@
       </p:sp>
       <p:sp>
         <p:nvSpPr>
-          <p:cNvPr id="220" name="TextBox 77"/>
+          <p:cNvPr id="224" name="TextBox 77"/>
           <p:cNvSpPr txBox="1"/>
           <p:nvPr/>
         </p:nvSpPr>
@@ -12750,7 +12990,7 @@
       </p:sp>
       <p:sp>
         <p:nvSpPr>
-          <p:cNvPr id="221" name="TextBox 18"/>
+          <p:cNvPr id="225" name="TextBox 18"/>
           <p:cNvSpPr txBox="1"/>
           <p:nvPr/>
         </p:nvSpPr>
@@ -12798,7 +13038,7 @@
       </p:sp>
       <p:sp>
         <p:nvSpPr>
-          <p:cNvPr id="222" name="TextBox 18"/>
+          <p:cNvPr id="226" name="TextBox 18"/>
           <p:cNvSpPr txBox="1"/>
           <p:nvPr/>
         </p:nvSpPr>
@@ -12853,7 +13093,7 @@
 </p:sld>
 </file>
 
-<file path=ppt/slides/slide7.xml><?xml version="1.0" encoding="utf-8"?>
+<file path=ppt/slides/slide8.xml><?xml version="1.0" encoding="utf-8"?>
 <p:sld xmlns:a="http://schemas.openxmlformats.org/drawingml/2006/main" xmlns:r="http://schemas.openxmlformats.org/officeDocument/2006/relationships" xmlns:p="http://schemas.openxmlformats.org/presentationml/2006/main" xmlns:m="http://schemas.openxmlformats.org/officeDocument/2006/math" xmlns:a14="http://schemas.microsoft.com/office/drawing/2010/main" showMasterSp="1" showMasterPhAnim="1">
   <p:cSld>
     <p:bg>
@@ -12879,7 +13119,7 @@
       </p:grpSpPr>
       <p:sp>
         <p:nvSpPr>
-          <p:cNvPr id="226" name="TextBox 1"/>
+          <p:cNvPr id="230" name="TextBox 1"/>
           <p:cNvSpPr txBox="1"/>
           <p:nvPr/>
         </p:nvSpPr>
@@ -12927,7 +13167,7 @@
       </p:sp>
       <p:grpSp>
         <p:nvGrpSpPr>
-          <p:cNvPr id="261" name="Group 86"/>
+          <p:cNvPr id="265" name="Group 86"/>
           <p:cNvGrpSpPr/>
           <p:nvPr/>
         </p:nvGrpSpPr>
@@ -12941,7 +13181,7 @@
         </p:grpSpPr>
         <p:grpSp>
           <p:nvGrpSpPr>
-            <p:cNvPr id="240" name="Group 10"/>
+            <p:cNvPr id="244" name="Group 10"/>
             <p:cNvGrpSpPr/>
             <p:nvPr/>
           </p:nvGrpSpPr>
@@ -12955,7 +13195,7 @@
           </p:grpSpPr>
           <p:sp>
             <p:nvSpPr>
-              <p:cNvPr id="227" name="Oval 35"/>
+              <p:cNvPr id="231" name="Oval 35"/>
               <p:cNvSpPr/>
               <p:nvPr/>
             </p:nvSpPr>
@@ -12996,7 +13236,7 @@
           </p:sp>
           <p:sp>
             <p:nvSpPr>
-              <p:cNvPr id="228" name="Freeform 6"/>
+              <p:cNvPr id="232" name="Freeform 6"/>
               <p:cNvSpPr/>
               <p:nvPr/>
             </p:nvSpPr>
@@ -13064,7 +13304,7 @@
           </p:sp>
           <p:sp>
             <p:nvSpPr>
-              <p:cNvPr id="229" name="Freeform 7"/>
+              <p:cNvPr id="233" name="Freeform 7"/>
               <p:cNvSpPr/>
               <p:nvPr/>
             </p:nvSpPr>
@@ -13132,7 +13372,7 @@
           </p:sp>
           <p:sp>
             <p:nvSpPr>
-              <p:cNvPr id="230" name="Freeform 8"/>
+              <p:cNvPr id="234" name="Freeform 8"/>
               <p:cNvSpPr/>
               <p:nvPr/>
             </p:nvSpPr>
@@ -13200,7 +13440,7 @@
           </p:sp>
           <p:sp>
             <p:nvSpPr>
-              <p:cNvPr id="231" name="Freeform 9"/>
+              <p:cNvPr id="235" name="Freeform 9"/>
               <p:cNvSpPr/>
               <p:nvPr/>
             </p:nvSpPr>
@@ -13303,7 +13543,7 @@
           </p:sp>
           <p:sp>
             <p:nvSpPr>
-              <p:cNvPr id="232" name="Freeform 12"/>
+              <p:cNvPr id="236" name="Freeform 12"/>
               <p:cNvSpPr/>
               <p:nvPr/>
             </p:nvSpPr>
@@ -13376,7 +13616,7 @@
           </p:sp>
           <p:sp>
             <p:nvSpPr>
-              <p:cNvPr id="233" name="Freeform 13"/>
+              <p:cNvPr id="237" name="Freeform 13"/>
               <p:cNvSpPr/>
               <p:nvPr/>
             </p:nvSpPr>
@@ -13449,7 +13689,7 @@
           </p:sp>
           <p:grpSp>
             <p:nvGrpSpPr>
-              <p:cNvPr id="238" name="Group 45"/>
+              <p:cNvPr id="242" name="Group 45"/>
               <p:cNvGrpSpPr/>
               <p:nvPr/>
             </p:nvGrpSpPr>
@@ -13463,7 +13703,7 @@
             </p:grpSpPr>
             <p:sp>
               <p:nvSpPr>
-                <p:cNvPr id="234" name="Freeform 5"/>
+                <p:cNvPr id="238" name="Freeform 5"/>
                 <p:cNvSpPr/>
                 <p:nvPr/>
               </p:nvSpPr>
@@ -13645,7 +13885,7 @@
             </p:sp>
             <p:sp>
               <p:nvSpPr>
-                <p:cNvPr id="235" name="Freeform 10"/>
+                <p:cNvPr id="239" name="Freeform 10"/>
                 <p:cNvSpPr/>
                 <p:nvPr/>
               </p:nvSpPr>
@@ -13723,7 +13963,7 @@
             </p:sp>
             <p:sp>
               <p:nvSpPr>
-                <p:cNvPr id="236" name="Freeform 11"/>
+                <p:cNvPr id="240" name="Freeform 11"/>
                 <p:cNvSpPr/>
                 <p:nvPr/>
               </p:nvSpPr>
@@ -13891,7 +14131,7 @@
             </p:sp>
             <p:sp>
               <p:nvSpPr>
-                <p:cNvPr id="237" name="Freeform 14"/>
+                <p:cNvPr id="241" name="Freeform 14"/>
                 <p:cNvSpPr/>
                 <p:nvPr/>
               </p:nvSpPr>
@@ -14025,7 +14265,7 @@
           </p:grpSp>
           <p:sp>
             <p:nvSpPr>
-              <p:cNvPr id="239" name="Oval 73"/>
+              <p:cNvPr id="243" name="Oval 73"/>
               <p:cNvSpPr/>
               <p:nvPr/>
             </p:nvSpPr>
@@ -14065,7 +14305,7 @@
         </p:grpSp>
         <p:grpSp>
           <p:nvGrpSpPr>
-            <p:cNvPr id="245" name="Group 21"/>
+            <p:cNvPr id="249" name="Group 21"/>
             <p:cNvGrpSpPr/>
             <p:nvPr/>
           </p:nvGrpSpPr>
@@ -14079,7 +14319,7 @@
           </p:grpSpPr>
           <p:sp>
             <p:nvSpPr>
-              <p:cNvPr id="241" name="Rectangle 18"/>
+              <p:cNvPr id="245" name="Rectangle 18"/>
               <p:cNvSpPr/>
               <p:nvPr/>
             </p:nvSpPr>
@@ -14118,7 +14358,7 @@
           </p:sp>
           <p:grpSp>
             <p:nvGrpSpPr>
-              <p:cNvPr id="244" name="Group 12"/>
+              <p:cNvPr id="248" name="Group 12"/>
               <p:cNvGrpSpPr/>
               <p:nvPr/>
             </p:nvGrpSpPr>
@@ -14132,7 +14372,7 @@
             </p:grpSpPr>
             <p:sp>
               <p:nvSpPr>
-                <p:cNvPr id="242" name="Oval 34"/>
+                <p:cNvPr id="246" name="Oval 34"/>
                 <p:cNvSpPr/>
                 <p:nvPr/>
               </p:nvSpPr>
@@ -14173,7 +14413,7 @@
             </p:sp>
             <p:sp>
               <p:nvSpPr>
-                <p:cNvPr id="243" name="Freeform 6"/>
+                <p:cNvPr id="247" name="Freeform 6"/>
                 <p:cNvSpPr/>
                 <p:nvPr/>
               </p:nvSpPr>
@@ -14430,7 +14670,7 @@
         </p:grpSp>
         <p:grpSp>
           <p:nvGrpSpPr>
-            <p:cNvPr id="255" name="Group 33"/>
+            <p:cNvPr id="259" name="Group 33"/>
             <p:cNvGrpSpPr/>
             <p:nvPr/>
           </p:nvGrpSpPr>
@@ -14444,7 +14684,7 @@
           </p:grpSpPr>
           <p:sp>
             <p:nvSpPr>
-              <p:cNvPr id="246" name="Rectangle 32"/>
+              <p:cNvPr id="250" name="Rectangle 32"/>
               <p:cNvSpPr/>
               <p:nvPr/>
             </p:nvSpPr>
@@ -14483,7 +14723,7 @@
           </p:sp>
           <p:grpSp>
             <p:nvGrpSpPr>
-              <p:cNvPr id="254" name="Group 14"/>
+              <p:cNvPr id="258" name="Group 14"/>
               <p:cNvGrpSpPr/>
               <p:nvPr/>
             </p:nvGrpSpPr>
@@ -14497,7 +14737,7 @@
             </p:grpSpPr>
             <p:sp>
               <p:nvSpPr>
-                <p:cNvPr id="247" name="Oval 78"/>
+                <p:cNvPr id="251" name="Oval 78"/>
                 <p:cNvSpPr/>
                 <p:nvPr/>
               </p:nvSpPr>
@@ -14538,7 +14778,7 @@
             </p:sp>
             <p:grpSp>
               <p:nvGrpSpPr>
-                <p:cNvPr id="253" name="Group 79"/>
+                <p:cNvPr id="257" name="Group 79"/>
                 <p:cNvGrpSpPr/>
                 <p:nvPr/>
               </p:nvGrpSpPr>
@@ -14552,7 +14792,7 @@
               </p:grpSpPr>
               <p:sp>
                 <p:nvSpPr>
-                  <p:cNvPr id="248" name="Freeform 14"/>
+                  <p:cNvPr id="252" name="Freeform 14"/>
                   <p:cNvSpPr/>
                   <p:nvPr/>
                 </p:nvSpPr>
@@ -14678,7 +14918,7 @@
               </p:sp>
               <p:sp>
                 <p:nvSpPr>
-                  <p:cNvPr id="249" name="Freeform 15"/>
+                  <p:cNvPr id="253" name="Freeform 15"/>
                   <p:cNvSpPr/>
                   <p:nvPr/>
                 </p:nvSpPr>
@@ -14835,7 +15075,7 @@
               </p:sp>
               <p:sp>
                 <p:nvSpPr>
-                  <p:cNvPr id="250" name="Freeform 16"/>
+                  <p:cNvPr id="254" name="Freeform 16"/>
                   <p:cNvSpPr/>
                   <p:nvPr/>
                 </p:nvSpPr>
@@ -14968,7 +15208,7 @@
               </p:sp>
               <p:sp>
                 <p:nvSpPr>
-                  <p:cNvPr id="251" name="Freeform 17"/>
+                  <p:cNvPr id="255" name="Freeform 17"/>
                   <p:cNvSpPr/>
                   <p:nvPr/>
                 </p:nvSpPr>
@@ -15059,7 +15299,7 @@
               </p:sp>
               <p:sp>
                 <p:nvSpPr>
-                  <p:cNvPr id="252" name="Freeform 18"/>
+                  <p:cNvPr id="256" name="Freeform 18"/>
                   <p:cNvSpPr/>
                   <p:nvPr/>
                 </p:nvSpPr>
@@ -15165,7 +15405,7 @@
         </p:grpSp>
         <p:grpSp>
           <p:nvGrpSpPr>
-            <p:cNvPr id="260" name="Group 31"/>
+            <p:cNvPr id="264" name="Group 31"/>
             <p:cNvGrpSpPr/>
             <p:nvPr/>
           </p:nvGrpSpPr>
@@ -15179,7 +15419,7 @@
           </p:grpSpPr>
           <p:sp>
             <p:nvSpPr>
-              <p:cNvPr id="256" name="Rectangle 30"/>
+              <p:cNvPr id="260" name="Rectangle 30"/>
               <p:cNvSpPr/>
               <p:nvPr/>
             </p:nvSpPr>
@@ -15218,7 +15458,7 @@
           </p:sp>
           <p:grpSp>
             <p:nvGrpSpPr>
-              <p:cNvPr id="259" name="Group 15"/>
+              <p:cNvPr id="263" name="Group 15"/>
               <p:cNvGrpSpPr/>
               <p:nvPr/>
             </p:nvGrpSpPr>
@@ -15232,7 +15472,7 @@
             </p:grpSpPr>
             <p:sp>
               <p:nvSpPr>
-                <p:cNvPr id="257" name="Oval 74"/>
+                <p:cNvPr id="261" name="Oval 74"/>
                 <p:cNvSpPr/>
                 <p:nvPr/>
               </p:nvSpPr>
@@ -15273,7 +15513,7 @@
             </p:sp>
             <p:sp>
               <p:nvSpPr>
-                <p:cNvPr id="258" name="Freeform 26"/>
+                <p:cNvPr id="262" name="Freeform 26"/>
                 <p:cNvSpPr/>
                 <p:nvPr/>
               </p:nvSpPr>
@@ -15514,6 +15754,50 @@
           </p:grpSp>
         </p:grpSp>
       </p:grpSp>
+      <p:sp>
+        <p:nvSpPr>
+          <p:cNvPr id="266" name="http://35.239.146.212:80/"/>
+          <p:cNvSpPr txBox="1"/>
+          <p:nvPr/>
+        </p:nvSpPr>
+        <p:spPr>
+          <a:xfrm>
+            <a:off x="5019855" y="6107256"/>
+            <a:ext cx="2558689" cy="333088"/>
+          </a:xfrm>
+          <a:prstGeom prst="rect">
+            <a:avLst/>
+          </a:prstGeom>
+          <a:ln w="12700">
+            <a:miter lim="400000"/>
+          </a:ln>
+          <a:extLst>
+            <a:ext uri="{C572A759-6A51-4108-AA02-DFA0A04FC94B}">
+              <ma14:wrappingTextBoxFlag xmlns:ma14="http://schemas.microsoft.com/office/mac/drawingml/2011/main" val="1"/>
+            </a:ext>
+          </a:extLst>
+        </p:spPr>
+        <p:txBody>
+          <a:bodyPr wrap="none" lIns="45719" rIns="45719">
+            <a:spAutoFit/>
+          </a:bodyPr>
+          <a:lstStyle>
+            <a:lvl1pPr>
+              <a:defRPr>
+                <a:solidFill>
+                  <a:srgbClr val="FFFFFF"/>
+                </a:solidFill>
+              </a:defRPr>
+            </a:lvl1pPr>
+          </a:lstStyle>
+          <a:p>
+            <a:pPr/>
+            <a:r>
+              <a:t>http://35.239.146.212:80/</a:t>
+            </a:r>
+          </a:p>
+        </p:txBody>
+      </p:sp>
     </p:spTree>
   </p:cSld>
   <p:clrMapOvr>
@@ -15523,7 +15807,7 @@
 </p:sld>
 </file>
 
-<file path=ppt/slides/slide8.xml><?xml version="1.0" encoding="utf-8"?>
+<file path=ppt/slides/slide9.xml><?xml version="1.0" encoding="utf-8"?>
 <p:sld xmlns:a="http://schemas.openxmlformats.org/drawingml/2006/main" xmlns:r="http://schemas.openxmlformats.org/officeDocument/2006/relationships" xmlns:p="http://schemas.openxmlformats.org/presentationml/2006/main" xmlns:m="http://schemas.openxmlformats.org/officeDocument/2006/math" xmlns:a14="http://schemas.microsoft.com/office/drawing/2010/main" showMasterSp="1" showMasterPhAnim="1">
   <p:cSld>
     <p:bg>
@@ -15549,7 +15833,7 @@
       </p:grpSpPr>
       <p:sp>
         <p:nvSpPr>
-          <p:cNvPr id="263" name="Block Arc 16"/>
+          <p:cNvPr id="268" name="Block Arc 16"/>
           <p:cNvSpPr/>
           <p:nvPr/>
         </p:nvSpPr>
@@ -15652,7 +15936,7 @@
       </p:sp>
       <p:sp>
         <p:nvSpPr>
-          <p:cNvPr id="264" name="TextBox 18"/>
+          <p:cNvPr id="269" name="TextBox 18"/>
           <p:cNvSpPr txBox="1"/>
           <p:nvPr/>
         </p:nvSpPr>
@@ -15700,7 +15984,7 @@
       </p:sp>
       <p:sp>
         <p:nvSpPr>
-          <p:cNvPr id="265" name="TextBox 19"/>
+          <p:cNvPr id="270" name="TextBox 19"/>
           <p:cNvSpPr txBox="1"/>
           <p:nvPr/>
         </p:nvSpPr>
@@ -15748,7 +16032,7 @@
       </p:sp>
       <p:sp>
         <p:nvSpPr>
-          <p:cNvPr id="266" name="TextBox 20"/>
+          <p:cNvPr id="271" name="TextBox 20"/>
           <p:cNvSpPr txBox="1"/>
           <p:nvPr/>
         </p:nvSpPr>
@@ -15796,7 +16080,7 @@
       </p:sp>
       <p:sp>
         <p:nvSpPr>
-          <p:cNvPr id="267" name="TextBox 21"/>
+          <p:cNvPr id="272" name="TextBox 21"/>
           <p:cNvSpPr txBox="1"/>
           <p:nvPr/>
         </p:nvSpPr>
@@ -15844,7 +16128,7 @@
       </p:sp>
       <p:sp>
         <p:nvSpPr>
-          <p:cNvPr id="268" name="TextBox 28"/>
+          <p:cNvPr id="273" name="TextBox 28"/>
           <p:cNvSpPr txBox="1"/>
           <p:nvPr/>
         </p:nvSpPr>
@@ -15892,7 +16176,7 @@
       </p:sp>
       <p:sp>
         <p:nvSpPr>
-          <p:cNvPr id="269" name="TextBox 29"/>
+          <p:cNvPr id="274" name="TextBox 29"/>
           <p:cNvSpPr txBox="1"/>
           <p:nvPr/>
         </p:nvSpPr>
@@ -15940,7 +16224,7 @@
       </p:sp>
       <p:sp>
         <p:nvSpPr>
-          <p:cNvPr id="270" name="TextBox 30"/>
+          <p:cNvPr id="275" name="TextBox 30"/>
           <p:cNvSpPr txBox="1"/>
           <p:nvPr/>
         </p:nvSpPr>
@@ -15988,7 +16272,7 @@
       </p:sp>
       <p:sp>
         <p:nvSpPr>
-          <p:cNvPr id="271" name="TextBox 31"/>
+          <p:cNvPr id="276" name="TextBox 31"/>
           <p:cNvSpPr txBox="1"/>
           <p:nvPr/>
         </p:nvSpPr>
@@ -16036,7 +16320,7 @@
       </p:sp>
       <p:sp>
         <p:nvSpPr>
-          <p:cNvPr id="272" name="TextBox 1"/>
+          <p:cNvPr id="277" name="TextBox 1"/>
           <p:cNvSpPr txBox="1"/>
           <p:nvPr/>
         </p:nvSpPr>
@@ -16084,7 +16368,7 @@
       </p:sp>
       <p:sp>
         <p:nvSpPr>
-          <p:cNvPr id="273" name="Block Arc 16"/>
+          <p:cNvPr id="278" name="Block Arc 16"/>
           <p:cNvSpPr/>
           <p:nvPr/>
         </p:nvSpPr>
@@ -16187,7 +16471,7 @@
       </p:sp>
       <p:sp>
         <p:nvSpPr>
-          <p:cNvPr id="274" name="Block Arc 16"/>
+          <p:cNvPr id="279" name="Block Arc 16"/>
           <p:cNvSpPr/>
           <p:nvPr/>
         </p:nvSpPr>
@@ -16290,7 +16574,7 @@
       </p:sp>
       <p:sp>
         <p:nvSpPr>
-          <p:cNvPr id="275" name="Block Arc 16"/>
+          <p:cNvPr id="280" name="Block Arc 16"/>
           <p:cNvSpPr/>
           <p:nvPr/>
         </p:nvSpPr>
@@ -16388,87 +16672,6 @@
           <a:lstStyle/>
           <a:p>
             <a:pPr algn="ctr"/>
-          </a:p>
-        </p:txBody>
-      </p:sp>
-    </p:spTree>
-  </p:cSld>
-  <p:clrMapOvr>
-    <a:masterClrMapping/>
-  </p:clrMapOvr>
-  <p:transition xmlns:p14="http://schemas.microsoft.com/office/powerpoint/2010/main" spd="med" advClick="1"/>
-</p:sld>
-</file>
-
-<file path=ppt/slides/slide9.xml><?xml version="1.0" encoding="utf-8"?>
-<p:sld xmlns:a="http://schemas.openxmlformats.org/drawingml/2006/main" xmlns:r="http://schemas.openxmlformats.org/officeDocument/2006/relationships" xmlns:p="http://schemas.openxmlformats.org/presentationml/2006/main" xmlns:m="http://schemas.openxmlformats.org/officeDocument/2006/math" xmlns:a14="http://schemas.microsoft.com/office/drawing/2010/main" showMasterSp="1" showMasterPhAnim="1">
-  <p:cSld>
-    <p:bg>
-      <p:bgPr>
-        <a:solidFill>
-          <a:srgbClr val="282F39"/>
-        </a:solidFill>
-      </p:bgPr>
-    </p:bg>
-    <p:spTree>
-      <p:nvGrpSpPr>
-        <p:cNvPr id="1" name=""/>
-        <p:cNvGrpSpPr/>
-        <p:nvPr/>
-      </p:nvGrpSpPr>
-      <p:grpSpPr>
-        <a:xfrm>
-          <a:off x="0" y="0"/>
-          <a:ext cx="0" cy="0"/>
-          <a:chOff x="0" y="0"/>
-          <a:chExt cx="0" cy="0"/>
-        </a:xfrm>
-      </p:grpSpPr>
-      <p:sp>
-        <p:nvSpPr>
-          <p:cNvPr id="277" name="TextBox 1"/>
-          <p:cNvSpPr txBox="1"/>
-          <p:nvPr/>
-        </p:nvSpPr>
-        <p:spPr>
-          <a:xfrm>
-            <a:off x="0" y="3231024"/>
-            <a:ext cx="12192001" cy="777241"/>
-          </a:xfrm>
-          <a:prstGeom prst="rect">
-            <a:avLst/>
-          </a:prstGeom>
-          <a:ln w="12700">
-            <a:miter lim="400000"/>
-          </a:ln>
-          <a:extLst>
-            <a:ext uri="{C572A759-6A51-4108-AA02-DFA0A04FC94B}">
-              <ma14:wrappingTextBoxFlag xmlns:ma14="http://schemas.microsoft.com/office/mac/drawingml/2011/main" val="1"/>
-            </a:ext>
-          </a:extLst>
-        </p:spPr>
-        <p:txBody>
-          <a:bodyPr lIns="45719" rIns="45719">
-            <a:spAutoFit/>
-          </a:bodyPr>
-          <a:lstStyle>
-            <a:lvl1pPr algn="ctr">
-              <a:defRPr sz="4500">
-                <a:solidFill>
-                  <a:srgbClr val="FFFFFF"/>
-                </a:solidFill>
-                <a:latin typeface="Noto Sans"/>
-                <a:ea typeface="Noto Sans"/>
-                <a:cs typeface="Noto Sans"/>
-                <a:sym typeface="Noto Sans"/>
-              </a:defRPr>
-            </a:lvl1pPr>
-          </a:lstStyle>
-          <a:p>
-            <a:pPr/>
-            <a:r>
-              <a:t>Thank You</a:t>
-            </a:r>
           </a:p>
         </p:txBody>
       </p:sp>
